--- a/Metodos_Estatisticos/slides/semana_3_a_4.pptx
+++ b/Metodos_Estatisticos/slides/semana_3_a_4.pptx
@@ -122,7 +122,7 @@
   <pc:docChgLst>
     <pc:chgData name="Renan Xavier Cortes" userId="d6af805853004405" providerId="LiveId" clId="{B46C618E-28B5-4507-BE38-B78F9BA16888}"/>
     <pc:docChg chg="undo custSel addSld delSld modSld">
-      <pc:chgData name="Renan Xavier Cortes" userId="d6af805853004405" providerId="LiveId" clId="{B46C618E-28B5-4507-BE38-B78F9BA16888}" dt="2026-01-22T12:10:41.623" v="125" actId="14100"/>
+      <pc:chgData name="Renan Xavier Cortes" userId="d6af805853004405" providerId="LiveId" clId="{B46C618E-28B5-4507-BE38-B78F9BA16888}" dt="2026-01-26T15:02:31.496" v="474" actId="1076"/>
       <pc:docMkLst>
         <pc:docMk/>
       </pc:docMkLst>
@@ -156,20 +156,36 @@
           </ac:spMkLst>
         </pc:spChg>
       </pc:sldChg>
-      <pc:sldChg chg="modSp mod">
-        <pc:chgData name="Renan Xavier Cortes" userId="d6af805853004405" providerId="LiveId" clId="{B46C618E-28B5-4507-BE38-B78F9BA16888}" dt="2026-01-22T12:10:41.623" v="125" actId="14100"/>
+      <pc:sldChg chg="addSp delSp modSp mod">
+        <pc:chgData name="Renan Xavier Cortes" userId="d6af805853004405" providerId="LiveId" clId="{B46C618E-28B5-4507-BE38-B78F9BA16888}" dt="2026-01-26T15:02:31.496" v="474" actId="1076"/>
         <pc:sldMkLst>
           <pc:docMk/>
           <pc:sldMk cId="2921823341" sldId="260"/>
         </pc:sldMkLst>
         <pc:spChg chg="mod">
-          <ac:chgData name="Renan Xavier Cortes" userId="d6af805853004405" providerId="LiveId" clId="{B46C618E-28B5-4507-BE38-B78F9BA16888}" dt="2026-01-22T12:10:41.623" v="125" actId="14100"/>
+          <ac:chgData name="Renan Xavier Cortes" userId="d6af805853004405" providerId="LiveId" clId="{B46C618E-28B5-4507-BE38-B78F9BA16888}" dt="2026-01-22T13:20:20.598" v="204"/>
           <ac:spMkLst>
             <pc:docMk/>
             <pc:sldMk cId="2921823341" sldId="260"/>
             <ac:spMk id="8" creationId="{39AE06C5-34BE-4D68-97C3-4C07702C2DF6}"/>
           </ac:spMkLst>
         </pc:spChg>
+        <pc:spChg chg="mod">
+          <ac:chgData name="Renan Xavier Cortes" userId="d6af805853004405" providerId="LiveId" clId="{B46C618E-28B5-4507-BE38-B78F9BA16888}" dt="2026-01-26T15:02:31.496" v="474" actId="1076"/>
+          <ac:spMkLst>
+            <pc:docMk/>
+            <pc:sldMk cId="2921823341" sldId="260"/>
+            <ac:spMk id="14" creationId="{427DBFEB-81BF-4CC3-A411-FBF43D295C56}"/>
+          </ac:spMkLst>
+        </pc:spChg>
+        <pc:picChg chg="add del">
+          <ac:chgData name="Renan Xavier Cortes" userId="d6af805853004405" providerId="LiveId" clId="{B46C618E-28B5-4507-BE38-B78F9BA16888}" dt="2026-01-22T13:20:22.533" v="205" actId="478"/>
+          <ac:picMkLst>
+            <pc:docMk/>
+            <pc:sldMk cId="2921823341" sldId="260"/>
+            <ac:picMk id="5" creationId="{F5A85A22-64A3-45CD-5500-ABAF23354B76}"/>
+          </ac:picMkLst>
+        </pc:picChg>
       </pc:sldChg>
       <pc:sldChg chg="del">
         <pc:chgData name="Renan Xavier Cortes" userId="d6af805853004405" providerId="LiveId" clId="{B46C618E-28B5-4507-BE38-B78F9BA16888}" dt="2026-01-22T12:05:12.026" v="50" actId="47"/>
@@ -1621,7 +1637,7 @@
           <a:p>
             <a:fld id="{9B3F8303-3E6A-4B9A-B114-90BC24763552}" type="datetimeFigureOut">
               <a:rPr lang="pt-BR" smtClean="0"/>
-              <a:t>22/01/2026</a:t>
+              <a:t>26/01/2026</a:t>
             </a:fld>
             <a:endParaRPr lang="pt-BR"/>
           </a:p>
@@ -2203,7 +2219,7 @@
           <a:p>
             <a:fld id="{6D1CE400-4242-4B09-9036-D13CC6199FDE}" type="datetimeFigureOut">
               <a:rPr lang="pt-BR" smtClean="0"/>
-              <a:t>22/01/2026</a:t>
+              <a:t>26/01/2026</a:t>
             </a:fld>
             <a:endParaRPr lang="pt-BR"/>
           </a:p>
@@ -2401,7 +2417,7 @@
           <a:p>
             <a:fld id="{6D1CE400-4242-4B09-9036-D13CC6199FDE}" type="datetimeFigureOut">
               <a:rPr lang="pt-BR" smtClean="0"/>
-              <a:t>22/01/2026</a:t>
+              <a:t>26/01/2026</a:t>
             </a:fld>
             <a:endParaRPr lang="pt-BR"/>
           </a:p>
@@ -2609,7 +2625,7 @@
           <a:p>
             <a:fld id="{6D1CE400-4242-4B09-9036-D13CC6199FDE}" type="datetimeFigureOut">
               <a:rPr lang="pt-BR" smtClean="0"/>
-              <a:t>22/01/2026</a:t>
+              <a:t>26/01/2026</a:t>
             </a:fld>
             <a:endParaRPr lang="pt-BR"/>
           </a:p>
@@ -2807,7 +2823,7 @@
           <a:p>
             <a:fld id="{6D1CE400-4242-4B09-9036-D13CC6199FDE}" type="datetimeFigureOut">
               <a:rPr lang="pt-BR" smtClean="0"/>
-              <a:t>22/01/2026</a:t>
+              <a:t>26/01/2026</a:t>
             </a:fld>
             <a:endParaRPr lang="pt-BR"/>
           </a:p>
@@ -3082,7 +3098,7 @@
           <a:p>
             <a:fld id="{6D1CE400-4242-4B09-9036-D13CC6199FDE}" type="datetimeFigureOut">
               <a:rPr lang="pt-BR" smtClean="0"/>
-              <a:t>22/01/2026</a:t>
+              <a:t>26/01/2026</a:t>
             </a:fld>
             <a:endParaRPr lang="pt-BR"/>
           </a:p>
@@ -3347,7 +3363,7 @@
           <a:p>
             <a:fld id="{6D1CE400-4242-4B09-9036-D13CC6199FDE}" type="datetimeFigureOut">
               <a:rPr lang="pt-BR" smtClean="0"/>
-              <a:t>22/01/2026</a:t>
+              <a:t>26/01/2026</a:t>
             </a:fld>
             <a:endParaRPr lang="pt-BR"/>
           </a:p>
@@ -3759,7 +3775,7 @@
           <a:p>
             <a:fld id="{6D1CE400-4242-4B09-9036-D13CC6199FDE}" type="datetimeFigureOut">
               <a:rPr lang="pt-BR" smtClean="0"/>
-              <a:t>22/01/2026</a:t>
+              <a:t>26/01/2026</a:t>
             </a:fld>
             <a:endParaRPr lang="pt-BR"/>
           </a:p>
@@ -3900,7 +3916,7 @@
           <a:p>
             <a:fld id="{6D1CE400-4242-4B09-9036-D13CC6199FDE}" type="datetimeFigureOut">
               <a:rPr lang="pt-BR" smtClean="0"/>
-              <a:t>22/01/2026</a:t>
+              <a:t>26/01/2026</a:t>
             </a:fld>
             <a:endParaRPr lang="pt-BR"/>
           </a:p>
@@ -4013,7 +4029,7 @@
           <a:p>
             <a:fld id="{6D1CE400-4242-4B09-9036-D13CC6199FDE}" type="datetimeFigureOut">
               <a:rPr lang="pt-BR" smtClean="0"/>
-              <a:t>22/01/2026</a:t>
+              <a:t>26/01/2026</a:t>
             </a:fld>
             <a:endParaRPr lang="pt-BR"/>
           </a:p>
@@ -4324,7 +4340,7 @@
           <a:p>
             <a:fld id="{6D1CE400-4242-4B09-9036-D13CC6199FDE}" type="datetimeFigureOut">
               <a:rPr lang="pt-BR" smtClean="0"/>
-              <a:t>22/01/2026</a:t>
+              <a:t>26/01/2026</a:t>
             </a:fld>
             <a:endParaRPr lang="pt-BR"/>
           </a:p>
@@ -4612,7 +4628,7 @@
           <a:p>
             <a:fld id="{6D1CE400-4242-4B09-9036-D13CC6199FDE}" type="datetimeFigureOut">
               <a:rPr lang="pt-BR" smtClean="0"/>
-              <a:t>22/01/2026</a:t>
+              <a:t>26/01/2026</a:t>
             </a:fld>
             <a:endParaRPr lang="pt-BR"/>
           </a:p>
@@ -4856,7 +4872,7 @@
           <a:p>
             <a:fld id="{6D1CE400-4242-4B09-9036-D13CC6199FDE}" type="datetimeFigureOut">
               <a:rPr lang="pt-BR" smtClean="0"/>
-              <a:t>22/01/2026</a:t>
+              <a:t>26/01/2026</a:t>
             </a:fld>
             <a:endParaRPr lang="pt-BR"/>
           </a:p>
@@ -5959,7 +5975,7 @@
                 <a:latin typeface="Cambria" panose="02040503050406030204" pitchFamily="18" charset="0"/>
                 <a:ea typeface="Cambria" panose="02040503050406030204" pitchFamily="18" charset="0"/>
               </a:rPr>
-              <a:t>Medidas de Tendência Central: Moda, Mediana e Média</a:t>
+              <a:t>Estatística Descritiva - Medidas</a:t>
             </a:r>
           </a:p>
         </p:txBody>
@@ -5978,8 +5994,8 @@
         </p:nvSpPr>
         <p:spPr>
           <a:xfrm>
-            <a:off x="940904" y="2509841"/>
-            <a:ext cx="10310191" cy="1929759"/>
+            <a:off x="1053330" y="2469084"/>
+            <a:ext cx="10310191" cy="2378600"/>
           </a:xfrm>
           <a:prstGeom prst="rect">
             <a:avLst/>
@@ -6004,7 +6020,15 @@
             </a:pPr>
             <a:r>
               <a:rPr lang="pt-BR" sz="2000" b="1" dirty="0"/>
-              <a:t>Estatística: ciência que coleta, organiza, analisa e interpreta dados.</a:t>
+              <a:t>Para esta parte da matéria, recomenda-se acessar o material presente em </a:t>
+            </a:r>
+            <a:r>
+              <a:rPr lang="pt-BR" sz="2000" b="1" dirty="0">
+                <a:solidFill>
+                  <a:srgbClr val="0070C0"/>
+                </a:solidFill>
+              </a:rPr>
+              <a:t>https://www.ufrgs.br/probabilidade-estatistica/slides/slides_1/1-4_Descritiva_medidas%20descritivas.pdf</a:t>
             </a:r>
           </a:p>
           <a:p>
@@ -6018,10 +6042,7 @@
               <a:buFont typeface="Wingdings" panose="05000000000000000000" pitchFamily="2" charset="2"/>
               <a:buChar char="Ø"/>
             </a:pPr>
-            <a:r>
-              <a:rPr lang="pt-BR" sz="2000" b="1" dirty="0"/>
-              <a:t>Apoia a tomada de decisões em situações de incerteza.</a:t>
-            </a:r>
+            <a:endParaRPr lang="pt-BR" sz="2000" b="1" dirty="0"/>
           </a:p>
           <a:p>
             <a:pPr marL="285750" indent="-285750">
@@ -6036,23 +6057,7 @@
             </a:pPr>
             <a:r>
               <a:rPr lang="pt-BR" sz="2000" b="1" dirty="0"/>
-              <a:t>Muito utilizada em experimentos agrícolas e zootécnicos.</a:t>
-            </a:r>
-          </a:p>
-          <a:p>
-            <a:pPr marL="285750" indent="-285750">
-              <a:lnSpc>
-                <a:spcPct val="150000"/>
-              </a:lnSpc>
-              <a:spcAft>
-                <a:spcPts val="110"/>
-              </a:spcAft>
-              <a:buFont typeface="Wingdings" panose="05000000000000000000" pitchFamily="2" charset="2"/>
-              <a:buChar char="Ø"/>
-            </a:pPr>
-            <a:r>
-              <a:rPr lang="pt-BR" sz="2000" b="1" dirty="0"/>
-              <a:t>Exemplo: produtividade de culturas, ganho de peso animal.</a:t>
+              <a:t>Código para gráficos interativos presentes em ... </a:t>
             </a:r>
           </a:p>
         </p:txBody>
